--- a/shortpres.pptx
+++ b/shortpres.pptx
@@ -6,10 +6,14 @@
   </p:sldMasterIdLst>
   <p:sldIdLst>
     <p:sldId id="256" r:id="rId2"/>
-    <p:sldId id="257" r:id="rId3"/>
-    <p:sldId id="258" r:id="rId4"/>
-    <p:sldId id="259" r:id="rId5"/>
-    <p:sldId id="260" r:id="rId6"/>
+    <p:sldId id="261" r:id="rId3"/>
+    <p:sldId id="262" r:id="rId4"/>
+    <p:sldId id="264" r:id="rId5"/>
+    <p:sldId id="263" r:id="rId6"/>
+    <p:sldId id="265" r:id="rId7"/>
+    <p:sldId id="266" r:id="rId8"/>
+    <p:sldId id="267" r:id="rId9"/>
+    <p:sldId id="268" r:id="rId10"/>
   </p:sldIdLst>
   <p:sldSz cx="12192000" cy="6858000"/>
   <p:notesSz cx="6858000" cy="9144000"/>
@@ -116,27 +120,327 @@
 </p:presentation>
 </file>
 
+<file path=ppt/revisionInfo.xml><?xml version="1.0" encoding="utf-8"?>
+<p1510:revInfo xmlns:a="http://schemas.openxmlformats.org/drawingml/2006/main" xmlns:r="http://schemas.openxmlformats.org/officeDocument/2006/relationships" xmlns:p1510="http://schemas.microsoft.com/office/powerpoint/2015/10/main">
+  <p1510:revLst>
+    <p1510:client id="{E32354F7-1F81-411E-AE98-A14EC7327491}" v="2" dt="2024-05-07T07:22:13.561"/>
+  </p1510:revLst>
+</p1510:revInfo>
+</file>
+
 <file path=ppt/changesInfos/changesInfo1.xml><?xml version="1.0" encoding="utf-8"?>
 <pc:chgInfo xmlns:a="http://schemas.openxmlformats.org/drawingml/2006/main" xmlns:r="http://schemas.openxmlformats.org/officeDocument/2006/relationships" xmlns:ac="http://schemas.microsoft.com/office/drawing/2013/main/command" xmlns:pc="http://schemas.microsoft.com/office/powerpoint/2013/main/command">
   <pc:docChgLst>
     <pc:chgData name="GRAND-MORCEL Léo" userId="f7a872d7-213f-416f-85b6-21a1d89c0cc9" providerId="ADAL" clId="{E32354F7-1F81-411E-AE98-A14EC7327491}"/>
-    <pc:docChg chg="modSld">
-      <pc:chgData name="GRAND-MORCEL Léo" userId="f7a872d7-213f-416f-85b6-21a1d89c0cc9" providerId="ADAL" clId="{E32354F7-1F81-411E-AE98-A14EC7327491}" dt="2024-04-22T08:04:41.355" v="1" actId="20577"/>
+    <pc:docChg chg="undo custSel addSld delSld modSld sldOrd">
+      <pc:chgData name="GRAND-MORCEL Léo" userId="f7a872d7-213f-416f-85b6-21a1d89c0cc9" providerId="ADAL" clId="{E32354F7-1F81-411E-AE98-A14EC7327491}" dt="2024-05-07T07:18:55.793" v="1714" actId="20577"/>
       <pc:docMkLst>
         <pc:docMk/>
       </pc:docMkLst>
       <pc:sldChg chg="modSp mod">
-        <pc:chgData name="GRAND-MORCEL Léo" userId="f7a872d7-213f-416f-85b6-21a1d89c0cc9" providerId="ADAL" clId="{E32354F7-1F81-411E-AE98-A14EC7327491}" dt="2024-04-22T08:04:41.355" v="1" actId="20577"/>
+        <pc:chgData name="GRAND-MORCEL Léo" userId="f7a872d7-213f-416f-85b6-21a1d89c0cc9" providerId="ADAL" clId="{E32354F7-1F81-411E-AE98-A14EC7327491}" dt="2024-05-07T07:05:11.085" v="1234" actId="1076"/>
+        <pc:sldMkLst>
+          <pc:docMk/>
+          <pc:sldMk cId="1807229407" sldId="256"/>
+        </pc:sldMkLst>
+        <pc:spChg chg="mod">
+          <ac:chgData name="GRAND-MORCEL Léo" userId="f7a872d7-213f-416f-85b6-21a1d89c0cc9" providerId="ADAL" clId="{E32354F7-1F81-411E-AE98-A14EC7327491}" dt="2024-05-06T11:59:09.649" v="2" actId="20577"/>
+          <ac:spMkLst>
+            <pc:docMk/>
+            <pc:sldMk cId="1807229407" sldId="256"/>
+            <ac:spMk id="2" creationId="{FB8EEF17-57D3-D439-CDBB-14F3E2812D5A}"/>
+          </ac:spMkLst>
+        </pc:spChg>
+        <pc:picChg chg="mod">
+          <ac:chgData name="GRAND-MORCEL Léo" userId="f7a872d7-213f-416f-85b6-21a1d89c0cc9" providerId="ADAL" clId="{E32354F7-1F81-411E-AE98-A14EC7327491}" dt="2024-05-07T07:05:11.085" v="1234" actId="1076"/>
+          <ac:picMkLst>
+            <pc:docMk/>
+            <pc:sldMk cId="1807229407" sldId="256"/>
+            <ac:picMk id="4" creationId="{7D85B47E-3251-8BC3-8CF3-DC315BD29074}"/>
+          </ac:picMkLst>
+        </pc:picChg>
+      </pc:sldChg>
+      <pc:sldChg chg="modSp del mod">
+        <pc:chgData name="GRAND-MORCEL Léo" userId="f7a872d7-213f-416f-85b6-21a1d89c0cc9" providerId="ADAL" clId="{E32354F7-1F81-411E-AE98-A14EC7327491}" dt="2024-05-07T07:18:38.293" v="1696" actId="47"/>
         <pc:sldMkLst>
           <pc:docMk/>
           <pc:sldMk cId="837875518" sldId="257"/>
         </pc:sldMkLst>
         <pc:spChg chg="mod">
-          <ac:chgData name="GRAND-MORCEL Léo" userId="f7a872d7-213f-416f-85b6-21a1d89c0cc9" providerId="ADAL" clId="{E32354F7-1F81-411E-AE98-A14EC7327491}" dt="2024-04-22T08:04:41.355" v="1" actId="20577"/>
+          <ac:chgData name="GRAND-MORCEL Léo" userId="f7a872d7-213f-416f-85b6-21a1d89c0cc9" providerId="ADAL" clId="{E32354F7-1F81-411E-AE98-A14EC7327491}" dt="2024-05-06T14:36:51.814" v="1232" actId="20577"/>
           <ac:spMkLst>
             <pc:docMk/>
             <pc:sldMk cId="837875518" sldId="257"/>
             <ac:spMk id="3" creationId="{760CAFB9-3C99-3E4A-D35F-A7F362C479B2}"/>
+          </ac:spMkLst>
+        </pc:spChg>
+      </pc:sldChg>
+      <pc:sldChg chg="del">
+        <pc:chgData name="GRAND-MORCEL Léo" userId="f7a872d7-213f-416f-85b6-21a1d89c0cc9" providerId="ADAL" clId="{E32354F7-1F81-411E-AE98-A14EC7327491}" dt="2024-05-07T07:18:44.604" v="1699" actId="47"/>
+        <pc:sldMkLst>
+          <pc:docMk/>
+          <pc:sldMk cId="3612722982" sldId="258"/>
+        </pc:sldMkLst>
+      </pc:sldChg>
+      <pc:sldChg chg="del">
+        <pc:chgData name="GRAND-MORCEL Léo" userId="f7a872d7-213f-416f-85b6-21a1d89c0cc9" providerId="ADAL" clId="{E32354F7-1F81-411E-AE98-A14EC7327491}" dt="2024-05-07T07:18:43.361" v="1698" actId="47"/>
+        <pc:sldMkLst>
+          <pc:docMk/>
+          <pc:sldMk cId="1771399765" sldId="259"/>
+        </pc:sldMkLst>
+      </pc:sldChg>
+      <pc:sldChg chg="del">
+        <pc:chgData name="GRAND-MORCEL Léo" userId="f7a872d7-213f-416f-85b6-21a1d89c0cc9" providerId="ADAL" clId="{E32354F7-1F81-411E-AE98-A14EC7327491}" dt="2024-05-07T07:18:42.164" v="1697" actId="47"/>
+        <pc:sldMkLst>
+          <pc:docMk/>
+          <pc:sldMk cId="2423809855" sldId="260"/>
+        </pc:sldMkLst>
+      </pc:sldChg>
+      <pc:sldChg chg="addSp delSp modSp new mod modClrScheme chgLayout">
+        <pc:chgData name="GRAND-MORCEL Léo" userId="f7a872d7-213f-416f-85b6-21a1d89c0cc9" providerId="ADAL" clId="{E32354F7-1F81-411E-AE98-A14EC7327491}" dt="2024-05-06T12:09:49.634" v="413" actId="700"/>
+        <pc:sldMkLst>
+          <pc:docMk/>
+          <pc:sldMk cId="3487439385" sldId="261"/>
+        </pc:sldMkLst>
+        <pc:spChg chg="mod ord">
+          <ac:chgData name="GRAND-MORCEL Léo" userId="f7a872d7-213f-416f-85b6-21a1d89c0cc9" providerId="ADAL" clId="{E32354F7-1F81-411E-AE98-A14EC7327491}" dt="2024-05-06T12:09:49.634" v="413" actId="700"/>
+          <ac:spMkLst>
+            <pc:docMk/>
+            <pc:sldMk cId="3487439385" sldId="261"/>
+            <ac:spMk id="2" creationId="{4C95A59D-3707-BE45-E546-8BD2B3ECBF31}"/>
+          </ac:spMkLst>
+        </pc:spChg>
+        <pc:spChg chg="del mod ord">
+          <ac:chgData name="GRAND-MORCEL Léo" userId="f7a872d7-213f-416f-85b6-21a1d89c0cc9" providerId="ADAL" clId="{E32354F7-1F81-411E-AE98-A14EC7327491}" dt="2024-05-06T12:09:49.634" v="413" actId="700"/>
+          <ac:spMkLst>
+            <pc:docMk/>
+            <pc:sldMk cId="3487439385" sldId="261"/>
+            <ac:spMk id="3" creationId="{F59EB6BB-5CB9-127F-4D32-E558C49B6241}"/>
+          </ac:spMkLst>
+        </pc:spChg>
+        <pc:spChg chg="add mod ord">
+          <ac:chgData name="GRAND-MORCEL Léo" userId="f7a872d7-213f-416f-85b6-21a1d89c0cc9" providerId="ADAL" clId="{E32354F7-1F81-411E-AE98-A14EC7327491}" dt="2024-05-06T12:09:49.634" v="413" actId="700"/>
+          <ac:spMkLst>
+            <pc:docMk/>
+            <pc:sldMk cId="3487439385" sldId="261"/>
+            <ac:spMk id="4" creationId="{94730503-922A-6C48-D371-0733D4EB0231}"/>
+          </ac:spMkLst>
+        </pc:spChg>
+      </pc:sldChg>
+      <pc:sldChg chg="addSp delSp modSp new mod">
+        <pc:chgData name="GRAND-MORCEL Léo" userId="f7a872d7-213f-416f-85b6-21a1d89c0cc9" providerId="ADAL" clId="{E32354F7-1F81-411E-AE98-A14EC7327491}" dt="2024-05-06T12:16:34.630" v="629" actId="20577"/>
+        <pc:sldMkLst>
+          <pc:docMk/>
+          <pc:sldMk cId="4139496629" sldId="262"/>
+        </pc:sldMkLst>
+        <pc:spChg chg="mod">
+          <ac:chgData name="GRAND-MORCEL Léo" userId="f7a872d7-213f-416f-85b6-21a1d89c0cc9" providerId="ADAL" clId="{E32354F7-1F81-411E-AE98-A14EC7327491}" dt="2024-05-06T12:10:09.794" v="462" actId="20577"/>
+          <ac:spMkLst>
+            <pc:docMk/>
+            <pc:sldMk cId="4139496629" sldId="262"/>
+            <ac:spMk id="2" creationId="{46286F12-3A37-0561-1084-5C1DEB0A799E}"/>
+          </ac:spMkLst>
+        </pc:spChg>
+        <pc:spChg chg="add del mod">
+          <ac:chgData name="GRAND-MORCEL Léo" userId="f7a872d7-213f-416f-85b6-21a1d89c0cc9" providerId="ADAL" clId="{E32354F7-1F81-411E-AE98-A14EC7327491}" dt="2024-05-06T12:16:34.630" v="629" actId="20577"/>
+          <ac:spMkLst>
+            <pc:docMk/>
+            <pc:sldMk cId="4139496629" sldId="262"/>
+            <ac:spMk id="3" creationId="{AEE46D36-87FB-1D64-E571-0A14328E39BE}"/>
+          </ac:spMkLst>
+        </pc:spChg>
+        <pc:picChg chg="add del mod ord">
+          <ac:chgData name="GRAND-MORCEL Léo" userId="f7a872d7-213f-416f-85b6-21a1d89c0cc9" providerId="ADAL" clId="{E32354F7-1F81-411E-AE98-A14EC7327491}" dt="2024-05-06T12:12:53.703" v="466" actId="22"/>
+          <ac:picMkLst>
+            <pc:docMk/>
+            <pc:sldMk cId="4139496629" sldId="262"/>
+            <ac:picMk id="5" creationId="{A3EB6E98-D5BE-5BF4-B166-A10DBC8305B8}"/>
+          </ac:picMkLst>
+        </pc:picChg>
+        <pc:picChg chg="add mod">
+          <ac:chgData name="GRAND-MORCEL Léo" userId="f7a872d7-213f-416f-85b6-21a1d89c0cc9" providerId="ADAL" clId="{E32354F7-1F81-411E-AE98-A14EC7327491}" dt="2024-05-06T12:15:53.521" v="588" actId="14100"/>
+          <ac:picMkLst>
+            <pc:docMk/>
+            <pc:sldMk cId="4139496629" sldId="262"/>
+            <ac:picMk id="7" creationId="{F323FE2F-EC5E-2956-826E-7DB4EDAB0C0F}"/>
+          </ac:picMkLst>
+        </pc:picChg>
+      </pc:sldChg>
+      <pc:sldChg chg="modSp new mod">
+        <pc:chgData name="GRAND-MORCEL Léo" userId="f7a872d7-213f-416f-85b6-21a1d89c0cc9" providerId="ADAL" clId="{E32354F7-1F81-411E-AE98-A14EC7327491}" dt="2024-05-06T14:32:40.274" v="883" actId="20577"/>
+        <pc:sldMkLst>
+          <pc:docMk/>
+          <pc:sldMk cId="306891394" sldId="263"/>
+        </pc:sldMkLst>
+        <pc:spChg chg="mod">
+          <ac:chgData name="GRAND-MORCEL Léo" userId="f7a872d7-213f-416f-85b6-21a1d89c0cc9" providerId="ADAL" clId="{E32354F7-1F81-411E-AE98-A14EC7327491}" dt="2024-05-06T14:32:40.274" v="883" actId="20577"/>
+          <ac:spMkLst>
+            <pc:docMk/>
+            <pc:sldMk cId="306891394" sldId="263"/>
+            <ac:spMk id="2" creationId="{DD0C7DFB-875F-25A1-D163-46710222C7FC}"/>
+          </ac:spMkLst>
+        </pc:spChg>
+        <pc:spChg chg="mod">
+          <ac:chgData name="GRAND-MORCEL Léo" userId="f7a872d7-213f-416f-85b6-21a1d89c0cc9" providerId="ADAL" clId="{E32354F7-1F81-411E-AE98-A14EC7327491}" dt="2024-05-06T12:53:06.518" v="831" actId="20577"/>
+          <ac:spMkLst>
+            <pc:docMk/>
+            <pc:sldMk cId="306891394" sldId="263"/>
+            <ac:spMk id="3" creationId="{A367F4D3-85A2-9936-5F31-058D436F9FC4}"/>
+          </ac:spMkLst>
+        </pc:spChg>
+      </pc:sldChg>
+      <pc:sldChg chg="modSp new mod ord">
+        <pc:chgData name="GRAND-MORCEL Léo" userId="f7a872d7-213f-416f-85b6-21a1d89c0cc9" providerId="ADAL" clId="{E32354F7-1F81-411E-AE98-A14EC7327491}" dt="2024-05-06T14:36:17.484" v="1224" actId="20577"/>
+        <pc:sldMkLst>
+          <pc:docMk/>
+          <pc:sldMk cId="2113992356" sldId="264"/>
+        </pc:sldMkLst>
+        <pc:spChg chg="mod">
+          <ac:chgData name="GRAND-MORCEL Léo" userId="f7a872d7-213f-416f-85b6-21a1d89c0cc9" providerId="ADAL" clId="{E32354F7-1F81-411E-AE98-A14EC7327491}" dt="2024-05-06T14:33:32.220" v="920" actId="20577"/>
+          <ac:spMkLst>
+            <pc:docMk/>
+            <pc:sldMk cId="2113992356" sldId="264"/>
+            <ac:spMk id="2" creationId="{7D020162-779C-C345-4AAB-54F17AFB041A}"/>
+          </ac:spMkLst>
+        </pc:spChg>
+        <pc:spChg chg="mod">
+          <ac:chgData name="GRAND-MORCEL Léo" userId="f7a872d7-213f-416f-85b6-21a1d89c0cc9" providerId="ADAL" clId="{E32354F7-1F81-411E-AE98-A14EC7327491}" dt="2024-05-06T14:36:17.484" v="1224" actId="20577"/>
+          <ac:spMkLst>
+            <pc:docMk/>
+            <pc:sldMk cId="2113992356" sldId="264"/>
+            <ac:spMk id="3" creationId="{C9179EDA-A3D9-77C3-B408-07741F4282E9}"/>
+          </ac:spMkLst>
+        </pc:spChg>
+      </pc:sldChg>
+      <pc:sldChg chg="addSp delSp modSp new mod modClrScheme chgLayout">
+        <pc:chgData name="GRAND-MORCEL Léo" userId="f7a872d7-213f-416f-85b6-21a1d89c0cc9" providerId="ADAL" clId="{E32354F7-1F81-411E-AE98-A14EC7327491}" dt="2024-05-07T07:10:46.993" v="1355" actId="20577"/>
+        <pc:sldMkLst>
+          <pc:docMk/>
+          <pc:sldMk cId="2917528447" sldId="265"/>
+        </pc:sldMkLst>
+        <pc:spChg chg="mod ord">
+          <ac:chgData name="GRAND-MORCEL Léo" userId="f7a872d7-213f-416f-85b6-21a1d89c0cc9" providerId="ADAL" clId="{E32354F7-1F81-411E-AE98-A14EC7327491}" dt="2024-05-07T07:08:35.921" v="1284" actId="700"/>
+          <ac:spMkLst>
+            <pc:docMk/>
+            <pc:sldMk cId="2917528447" sldId="265"/>
+            <ac:spMk id="2" creationId="{43B96B69-5F36-012D-3058-5A8D777ADB0D}"/>
+          </ac:spMkLst>
+        </pc:spChg>
+        <pc:spChg chg="del">
+          <ac:chgData name="GRAND-MORCEL Léo" userId="f7a872d7-213f-416f-85b6-21a1d89c0cc9" providerId="ADAL" clId="{E32354F7-1F81-411E-AE98-A14EC7327491}" dt="2024-05-07T07:07:41.760" v="1277" actId="931"/>
+          <ac:spMkLst>
+            <pc:docMk/>
+            <pc:sldMk cId="2917528447" sldId="265"/>
+            <ac:spMk id="3" creationId="{FE0C9D52-0FC2-3483-803A-C250911B7E6E}"/>
+          </ac:spMkLst>
+        </pc:spChg>
+        <pc:spChg chg="add mod ord">
+          <ac:chgData name="GRAND-MORCEL Léo" userId="f7a872d7-213f-416f-85b6-21a1d89c0cc9" providerId="ADAL" clId="{E32354F7-1F81-411E-AE98-A14EC7327491}" dt="2024-05-07T07:10:46.993" v="1355" actId="20577"/>
+          <ac:spMkLst>
+            <pc:docMk/>
+            <pc:sldMk cId="2917528447" sldId="265"/>
+            <ac:spMk id="6" creationId="{6EFA092E-F70E-E10D-0DC9-F9D1BAFE754A}"/>
+          </ac:spMkLst>
+        </pc:spChg>
+        <pc:picChg chg="add mod ord">
+          <ac:chgData name="GRAND-MORCEL Léo" userId="f7a872d7-213f-416f-85b6-21a1d89c0cc9" providerId="ADAL" clId="{E32354F7-1F81-411E-AE98-A14EC7327491}" dt="2024-05-07T07:08:57.175" v="1288" actId="1076"/>
+          <ac:picMkLst>
+            <pc:docMk/>
+            <pc:sldMk cId="2917528447" sldId="265"/>
+            <ac:picMk id="5" creationId="{ED44CEFC-3F09-3DB0-8A47-1B685E7F027B}"/>
+          </ac:picMkLst>
+        </pc:picChg>
+      </pc:sldChg>
+      <pc:sldChg chg="addSp delSp modSp new mod modClrScheme chgLayout">
+        <pc:chgData name="GRAND-MORCEL Léo" userId="f7a872d7-213f-416f-85b6-21a1d89c0cc9" providerId="ADAL" clId="{E32354F7-1F81-411E-AE98-A14EC7327491}" dt="2024-05-07T07:14:39.554" v="1523" actId="20577"/>
+        <pc:sldMkLst>
+          <pc:docMk/>
+          <pc:sldMk cId="185719045" sldId="266"/>
+        </pc:sldMkLst>
+        <pc:spChg chg="mod ord">
+          <ac:chgData name="GRAND-MORCEL Léo" userId="f7a872d7-213f-416f-85b6-21a1d89c0cc9" providerId="ADAL" clId="{E32354F7-1F81-411E-AE98-A14EC7327491}" dt="2024-05-07T07:11:28.039" v="1376" actId="700"/>
+          <ac:spMkLst>
+            <pc:docMk/>
+            <pc:sldMk cId="185719045" sldId="266"/>
+            <ac:spMk id="2" creationId="{0DB59ACD-B783-7C2D-645A-271D44F0D8D6}"/>
+          </ac:spMkLst>
+        </pc:spChg>
+        <pc:spChg chg="del mod ord">
+          <ac:chgData name="GRAND-MORCEL Léo" userId="f7a872d7-213f-416f-85b6-21a1d89c0cc9" providerId="ADAL" clId="{E32354F7-1F81-411E-AE98-A14EC7327491}" dt="2024-05-07T07:11:28.039" v="1376" actId="700"/>
+          <ac:spMkLst>
+            <pc:docMk/>
+            <pc:sldMk cId="185719045" sldId="266"/>
+            <ac:spMk id="3" creationId="{A976B841-9E31-D45A-A55E-2BFAA7316B64}"/>
+          </ac:spMkLst>
+        </pc:spChg>
+        <pc:spChg chg="del">
+          <ac:chgData name="GRAND-MORCEL Léo" userId="f7a872d7-213f-416f-85b6-21a1d89c0cc9" providerId="ADAL" clId="{E32354F7-1F81-411E-AE98-A14EC7327491}" dt="2024-05-07T07:11:28.039" v="1376" actId="700"/>
+          <ac:spMkLst>
+            <pc:docMk/>
+            <pc:sldMk cId="185719045" sldId="266"/>
+            <ac:spMk id="4" creationId="{0F36CEC9-2A78-1031-6F42-8DAFC2405112}"/>
+          </ac:spMkLst>
+        </pc:spChg>
+        <pc:spChg chg="add mod ord">
+          <ac:chgData name="GRAND-MORCEL Léo" userId="f7a872d7-213f-416f-85b6-21a1d89c0cc9" providerId="ADAL" clId="{E32354F7-1F81-411E-AE98-A14EC7327491}" dt="2024-05-07T07:14:39.554" v="1523" actId="20577"/>
+          <ac:spMkLst>
+            <pc:docMk/>
+            <pc:sldMk cId="185719045" sldId="266"/>
+            <ac:spMk id="5" creationId="{4C633114-E36C-3D21-FEF9-524803A2C567}"/>
+          </ac:spMkLst>
+        </pc:spChg>
+      </pc:sldChg>
+      <pc:sldChg chg="modSp new mod">
+        <pc:chgData name="GRAND-MORCEL Léo" userId="f7a872d7-213f-416f-85b6-21a1d89c0cc9" providerId="ADAL" clId="{E32354F7-1F81-411E-AE98-A14EC7327491}" dt="2024-05-07T07:17:37.547" v="1695" actId="20577"/>
+        <pc:sldMkLst>
+          <pc:docMk/>
+          <pc:sldMk cId="1399789283" sldId="267"/>
+        </pc:sldMkLst>
+        <pc:spChg chg="mod">
+          <ac:chgData name="GRAND-MORCEL Léo" userId="f7a872d7-213f-416f-85b6-21a1d89c0cc9" providerId="ADAL" clId="{E32354F7-1F81-411E-AE98-A14EC7327491}" dt="2024-05-07T07:15:35.807" v="1543" actId="20577"/>
+          <ac:spMkLst>
+            <pc:docMk/>
+            <pc:sldMk cId="1399789283" sldId="267"/>
+            <ac:spMk id="2" creationId="{84476854-DDA3-36E0-A3B7-6E9FBA7E635C}"/>
+          </ac:spMkLst>
+        </pc:spChg>
+        <pc:spChg chg="mod">
+          <ac:chgData name="GRAND-MORCEL Léo" userId="f7a872d7-213f-416f-85b6-21a1d89c0cc9" providerId="ADAL" clId="{E32354F7-1F81-411E-AE98-A14EC7327491}" dt="2024-05-07T07:17:37.547" v="1695" actId="20577"/>
+          <ac:spMkLst>
+            <pc:docMk/>
+            <pc:sldMk cId="1399789283" sldId="267"/>
+            <ac:spMk id="3" creationId="{395F13F8-611A-6E18-4123-6AA6971068F4}"/>
+          </ac:spMkLst>
+        </pc:spChg>
+      </pc:sldChg>
+      <pc:sldChg chg="addSp delSp modSp new mod modClrScheme chgLayout">
+        <pc:chgData name="GRAND-MORCEL Léo" userId="f7a872d7-213f-416f-85b6-21a1d89c0cc9" providerId="ADAL" clId="{E32354F7-1F81-411E-AE98-A14EC7327491}" dt="2024-05-07T07:18:55.793" v="1714" actId="20577"/>
+        <pc:sldMkLst>
+          <pc:docMk/>
+          <pc:sldMk cId="2253241772" sldId="268"/>
+        </pc:sldMkLst>
+        <pc:spChg chg="del mod ord">
+          <ac:chgData name="GRAND-MORCEL Léo" userId="f7a872d7-213f-416f-85b6-21a1d89c0cc9" providerId="ADAL" clId="{E32354F7-1F81-411E-AE98-A14EC7327491}" dt="2024-05-07T07:18:52.425" v="1701" actId="700"/>
+          <ac:spMkLst>
+            <pc:docMk/>
+            <pc:sldMk cId="2253241772" sldId="268"/>
+            <ac:spMk id="2" creationId="{F3955247-783A-0D58-E3CF-787B17F86F71}"/>
+          </ac:spMkLst>
+        </pc:spChg>
+        <pc:spChg chg="del">
+          <ac:chgData name="GRAND-MORCEL Léo" userId="f7a872d7-213f-416f-85b6-21a1d89c0cc9" providerId="ADAL" clId="{E32354F7-1F81-411E-AE98-A14EC7327491}" dt="2024-05-07T07:18:52.425" v="1701" actId="700"/>
+          <ac:spMkLst>
+            <pc:docMk/>
+            <pc:sldMk cId="2253241772" sldId="268"/>
+            <ac:spMk id="3" creationId="{50F4C4B3-7C17-6ACD-8A1C-289E0C3A9AEE}"/>
+          </ac:spMkLst>
+        </pc:spChg>
+        <pc:spChg chg="add mod ord">
+          <ac:chgData name="GRAND-MORCEL Léo" userId="f7a872d7-213f-416f-85b6-21a1d89c0cc9" providerId="ADAL" clId="{E32354F7-1F81-411E-AE98-A14EC7327491}" dt="2024-05-07T07:18:55.793" v="1714" actId="20577"/>
+          <ac:spMkLst>
+            <pc:docMk/>
+            <pc:sldMk cId="2253241772" sldId="268"/>
+            <ac:spMk id="4" creationId="{F66C73C5-CC99-9351-2F97-D02248253A68}"/>
           </ac:spMkLst>
         </pc:spChg>
       </pc:sldChg>
@@ -301,7 +605,7 @@
           <a:p>
             <a:fld id="{02AC24A9-CCB6-4F8D-B8DB-C2F3692CFA5A}" type="datetimeFigureOut">
               <a:rPr lang="en-US" smtClean="0"/>
-              <a:t>4/22/2024</a:t>
+              <a:t>5/7/2024</a:t>
             </a:fld>
             <a:endParaRPr lang="en-US" dirty="0"/>
           </a:p>
@@ -671,7 +975,7 @@
           <a:p>
             <a:fld id="{02AC24A9-CCB6-4F8D-B8DB-C2F3692CFA5A}" type="datetimeFigureOut">
               <a:rPr lang="en-US" smtClean="0"/>
-              <a:t>4/22/2024</a:t>
+              <a:t>5/7/2024</a:t>
             </a:fld>
             <a:endParaRPr lang="en-US"/>
           </a:p>
@@ -880,7 +1184,7 @@
           <a:p>
             <a:fld id="{02AC24A9-CCB6-4F8D-B8DB-C2F3692CFA5A}" type="datetimeFigureOut">
               <a:rPr lang="en-US" smtClean="0"/>
-              <a:t>4/22/2024</a:t>
+              <a:t>5/7/2024</a:t>
             </a:fld>
             <a:endParaRPr lang="en-US"/>
           </a:p>
@@ -1350,7 +1654,7 @@
           <a:p>
             <a:fld id="{02AC24A9-CCB6-4F8D-B8DB-C2F3692CFA5A}" type="datetimeFigureOut">
               <a:rPr lang="en-US" smtClean="0"/>
-              <a:t>4/22/2024</a:t>
+              <a:t>5/7/2024</a:t>
             </a:fld>
             <a:endParaRPr lang="en-US"/>
           </a:p>
@@ -1804,7 +2108,7 @@
           <a:p>
             <a:fld id="{02AC24A9-CCB6-4F8D-B8DB-C2F3692CFA5A}" type="datetimeFigureOut">
               <a:rPr lang="en-US" smtClean="0"/>
-              <a:t>4/22/2024</a:t>
+              <a:t>5/7/2024</a:t>
             </a:fld>
             <a:endParaRPr lang="en-US"/>
           </a:p>
@@ -2336,7 +2640,7 @@
           <a:p>
             <a:fld id="{02AC24A9-CCB6-4F8D-B8DB-C2F3692CFA5A}" type="datetimeFigureOut">
               <a:rPr lang="en-US" smtClean="0"/>
-              <a:t>4/22/2024</a:t>
+              <a:t>5/7/2024</a:t>
             </a:fld>
             <a:endParaRPr lang="en-US"/>
           </a:p>
@@ -3035,7 +3339,7 @@
           <a:p>
             <a:fld id="{02AC24A9-CCB6-4F8D-B8DB-C2F3692CFA5A}" type="datetimeFigureOut">
               <a:rPr lang="en-US" smtClean="0"/>
-              <a:t>4/22/2024</a:t>
+              <a:t>5/7/2024</a:t>
             </a:fld>
             <a:endParaRPr lang="en-US"/>
           </a:p>
@@ -3364,7 +3668,7 @@
           <a:p>
             <a:fld id="{02AC24A9-CCB6-4F8D-B8DB-C2F3692CFA5A}" type="datetimeFigureOut">
               <a:rPr lang="en-US" smtClean="0"/>
-              <a:t>4/22/2024</a:t>
+              <a:t>5/7/2024</a:t>
             </a:fld>
             <a:endParaRPr lang="en-US"/>
           </a:p>
@@ -3477,7 +3781,7 @@
           <a:p>
             <a:fld id="{02AC24A9-CCB6-4F8D-B8DB-C2F3692CFA5A}" type="datetimeFigureOut">
               <a:rPr lang="en-US" smtClean="0"/>
-              <a:t>4/22/2024</a:t>
+              <a:t>5/7/2024</a:t>
             </a:fld>
             <a:endParaRPr lang="en-US"/>
           </a:p>
@@ -3972,7 +4276,7 @@
           <a:p>
             <a:fld id="{02AC24A9-CCB6-4F8D-B8DB-C2F3692CFA5A}" type="datetimeFigureOut">
               <a:rPr lang="en-US" smtClean="0"/>
-              <a:t>4/22/2024</a:t>
+              <a:t>5/7/2024</a:t>
             </a:fld>
             <a:endParaRPr lang="en-US" dirty="0"/>
           </a:p>
@@ -4449,7 +4753,7 @@
           <a:p>
             <a:fld id="{02AC24A9-CCB6-4F8D-B8DB-C2F3692CFA5A}" type="datetimeFigureOut">
               <a:rPr lang="en-US" smtClean="0"/>
-              <a:t>4/22/2024</a:t>
+              <a:t>5/7/2024</a:t>
             </a:fld>
             <a:endParaRPr lang="en-US"/>
           </a:p>
@@ -4692,7 +4996,7 @@
           <a:p>
             <a:fld id="{02AC24A9-CCB6-4F8D-B8DB-C2F3692CFA5A}" type="datetimeFigureOut">
               <a:rPr lang="en-US" smtClean="0"/>
-              <a:t>4/22/2024</a:t>
+              <a:t>5/7/2024</a:t>
             </a:fld>
             <a:endParaRPr lang="en-US"/>
           </a:p>
@@ -5446,12 +5750,8 @@
           <a:lstStyle/>
           <a:p>
             <a:r>
-              <a:rPr lang="en-GB" sz="4800" dirty="0" err="1"/>
-              <a:t>Cycliste</a:t>
-            </a:r>
-            <a:r>
               <a:rPr lang="en-GB" sz="4800" dirty="0"/>
-              <a:t> routing</a:t>
+              <a:t>Cyclist routing</a:t>
             </a:r>
           </a:p>
         </p:txBody>
@@ -5730,15 +6030,15 @@
           <p:cNvPr id="2" name="Titre 1">
             <a:extLst>
               <a:ext uri="{FF2B5EF4-FFF2-40B4-BE49-F238E27FC236}">
-                <a16:creationId xmlns:a16="http://schemas.microsoft.com/office/drawing/2014/main" id="{DC7C29C6-2524-A98A-DF88-1BF508533999}"/>
-              </a:ext>
-            </a:extLst>
-          </p:cNvPr>
-          <p:cNvSpPr>
-            <a:spLocks noGrp="1"/>
-          </p:cNvSpPr>
-          <p:nvPr>
-            <p:ph type="title"/>
+                <a16:creationId xmlns:a16="http://schemas.microsoft.com/office/drawing/2014/main" id="{4C95A59D-3707-BE45-E546-8BD2B3ECBF31}"/>
+              </a:ext>
+            </a:extLst>
+          </p:cNvPr>
+          <p:cNvSpPr>
+            <a:spLocks noGrp="1"/>
+          </p:cNvSpPr>
+          <p:nvPr>
+            <p:ph type="ctrTitle"/>
           </p:nvPr>
         </p:nvSpPr>
         <p:spPr/>
@@ -5748,7 +6048,15 @@
           <a:p>
             <a:r>
               <a:rPr lang="en-GB" dirty="0" err="1"/>
-              <a:t>Requis</a:t>
+              <a:t>Contexte</a:t>
+            </a:r>
+            <a:r>
+              <a:rPr lang="en-GB" dirty="0"/>
+              <a:t> et </a:t>
+            </a:r>
+            <a:r>
+              <a:rPr lang="en-GB" dirty="0" err="1"/>
+              <a:t>Problématique</a:t>
             </a:r>
             <a:endParaRPr lang="en-GB" dirty="0"/>
           </a:p>
@@ -5756,133 +6064,33 @@
       </p:sp>
       <p:sp>
         <p:nvSpPr>
-          <p:cNvPr id="3" name="Espace réservé du contenu 2">
-            <a:extLst>
-              <a:ext uri="{FF2B5EF4-FFF2-40B4-BE49-F238E27FC236}">
-                <a16:creationId xmlns:a16="http://schemas.microsoft.com/office/drawing/2014/main" id="{760CAFB9-3C99-3E4A-D35F-A7F362C479B2}"/>
-              </a:ext>
-            </a:extLst>
-          </p:cNvPr>
-          <p:cNvSpPr>
-            <a:spLocks noGrp="1"/>
-          </p:cNvSpPr>
-          <p:nvPr>
-            <p:ph idx="1"/>
+          <p:cNvPr id="4" name="Sous-titre 3">
+            <a:extLst>
+              <a:ext uri="{FF2B5EF4-FFF2-40B4-BE49-F238E27FC236}">
+                <a16:creationId xmlns:a16="http://schemas.microsoft.com/office/drawing/2014/main" id="{94730503-922A-6C48-D371-0733D4EB0231}"/>
+              </a:ext>
+            </a:extLst>
+          </p:cNvPr>
+          <p:cNvSpPr>
+            <a:spLocks noGrp="1"/>
+          </p:cNvSpPr>
+          <p:nvPr>
+            <p:ph type="subTitle" idx="1"/>
           </p:nvPr>
         </p:nvSpPr>
         <p:spPr/>
         <p:txBody>
-          <a:bodyPr>
-            <a:normAutofit fontScale="92500"/>
-          </a:bodyPr>
-          <a:lstStyle/>
-          <a:p>
-            <a:r>
-              <a:rPr lang="en-GB" dirty="0" err="1"/>
-              <a:t>Librairie</a:t>
-            </a:r>
-            <a:r>
-              <a:rPr lang="en-GB" dirty="0"/>
-              <a:t> OSM pour les données de Bordeaux</a:t>
-            </a:r>
-          </a:p>
-          <a:p>
-            <a:r>
-              <a:rPr lang="en-GB" dirty="0" err="1"/>
-              <a:t>Librairie</a:t>
-            </a:r>
-            <a:r>
-              <a:rPr lang="en-GB" dirty="0"/>
-              <a:t> </a:t>
-            </a:r>
-            <a:r>
-              <a:rPr lang="en-GB" dirty="0" err="1"/>
-              <a:t>Networkx</a:t>
-            </a:r>
-            <a:r>
-              <a:rPr lang="en-GB" dirty="0"/>
-              <a:t> pour la creation de graph</a:t>
-            </a:r>
-          </a:p>
-          <a:p>
-            <a:r>
-              <a:rPr lang="en-GB" dirty="0" err="1"/>
-              <a:t>Librairie</a:t>
-            </a:r>
-            <a:r>
-              <a:rPr lang="en-GB" dirty="0"/>
-              <a:t> OSMX pour le </a:t>
-            </a:r>
-            <a:r>
-              <a:rPr lang="en-GB" dirty="0" err="1"/>
-              <a:t>calcul</a:t>
-            </a:r>
-            <a:r>
-              <a:rPr lang="en-GB" dirty="0"/>
-              <a:t> de chemin</a:t>
-            </a:r>
-          </a:p>
-          <a:p>
-            <a:r>
-              <a:rPr lang="en-GB" dirty="0" err="1"/>
-              <a:t>Librairie</a:t>
-            </a:r>
-            <a:r>
-              <a:rPr lang="en-GB" dirty="0"/>
-              <a:t> Folium pour </a:t>
-            </a:r>
-            <a:r>
-              <a:rPr lang="en-GB" dirty="0" err="1"/>
-              <a:t>l’affichage</a:t>
-            </a:r>
-            <a:r>
-              <a:rPr lang="en-GB" dirty="0"/>
-              <a:t> de carte </a:t>
-            </a:r>
-            <a:r>
-              <a:rPr lang="en-GB" dirty="0" err="1"/>
-              <a:t>intéractive</a:t>
-            </a:r>
-            <a:endParaRPr lang="en-GB" dirty="0"/>
-          </a:p>
-          <a:p>
-            <a:endParaRPr lang="en-GB" dirty="0"/>
-          </a:p>
-          <a:p>
-            <a:r>
-              <a:rPr lang="en-GB" dirty="0" err="1"/>
-              <a:t>Séléction</a:t>
-            </a:r>
-            <a:r>
-              <a:rPr lang="en-GB" dirty="0"/>
-              <a:t> des </a:t>
-            </a:r>
-            <a:r>
-              <a:rPr lang="en-GB" dirty="0" err="1"/>
-              <a:t>paramètres</a:t>
-            </a:r>
-            <a:r>
-              <a:rPr lang="en-GB" dirty="0"/>
-              <a:t> </a:t>
-            </a:r>
-            <a:r>
-              <a:rPr lang="en-GB" dirty="0" err="1"/>
-              <a:t>importants</a:t>
-            </a:r>
-            <a:r>
-              <a:rPr lang="en-GB" dirty="0"/>
-              <a:t> (highway, length, cycleway)</a:t>
-            </a:r>
-          </a:p>
-          <a:p>
-            <a:endParaRPr lang="en-GB" dirty="0"/>
+          <a:bodyPr/>
+          <a:lstStyle/>
+          <a:p>
+            <a:endParaRPr lang="en-GB"/>
           </a:p>
         </p:txBody>
       </p:sp>
     </p:spTree>
     <p:extLst>
       <p:ext uri="{BB962C8B-B14F-4D97-AF65-F5344CB8AC3E}">
-        <p14:creationId xmlns:p14="http://schemas.microsoft.com/office/powerpoint/2010/main" val="837875518"/>
+        <p14:creationId xmlns:p14="http://schemas.microsoft.com/office/powerpoint/2010/main" val="3487439385"/>
       </p:ext>
     </p:extLst>
   </p:cSld>
@@ -5914,7 +6122,7 @@
           <p:cNvPr id="2" name="Titre 1">
             <a:extLst>
               <a:ext uri="{FF2B5EF4-FFF2-40B4-BE49-F238E27FC236}">
-                <a16:creationId xmlns:a16="http://schemas.microsoft.com/office/drawing/2014/main" id="{1942E48E-539C-591D-2B5C-35EC6C4FBA57}"/>
+                <a16:creationId xmlns:a16="http://schemas.microsoft.com/office/drawing/2014/main" id="{46286F12-3A37-0561-1084-5C1DEB0A799E}"/>
               </a:ext>
             </a:extLst>
           </p:cNvPr>
@@ -5931,57 +6139,80 @@
           <a:lstStyle/>
           <a:p>
             <a:r>
+              <a:rPr lang="en-GB" dirty="0"/>
+              <a:t>Situation des </a:t>
+            </a:r>
+            <a:r>
               <a:rPr lang="en-GB" dirty="0" err="1"/>
-              <a:t>Récupération</a:t>
+              <a:t>cyclistes</a:t>
             </a:r>
             <a:r>
               <a:rPr lang="en-GB" dirty="0"/>
-              <a:t> du </a:t>
+              <a:t> à Bordeaux</a:t>
+            </a:r>
+          </a:p>
+        </p:txBody>
+      </p:sp>
+      <p:sp>
+        <p:nvSpPr>
+          <p:cNvPr id="3" name="Espace réservé du contenu 2">
+            <a:extLst>
+              <a:ext uri="{FF2B5EF4-FFF2-40B4-BE49-F238E27FC236}">
+                <a16:creationId xmlns:a16="http://schemas.microsoft.com/office/drawing/2014/main" id="{AEE46D36-87FB-1D64-E571-0A14328E39BE}"/>
+              </a:ext>
+            </a:extLst>
+          </p:cNvPr>
+          <p:cNvSpPr>
+            <a:spLocks noGrp="1"/>
+          </p:cNvSpPr>
+          <p:nvPr>
+            <p:ph idx="1"/>
+          </p:nvPr>
+        </p:nvSpPr>
+        <p:spPr>
+          <a:xfrm>
+            <a:off x="6638924" y="2478024"/>
+            <a:ext cx="4644771" cy="3694176"/>
+          </a:xfrm>
+        </p:spPr>
+        <p:txBody>
+          <a:bodyPr/>
+          <a:lstStyle/>
+          <a:p>
+            <a:pPr marL="0" indent="0">
+              <a:buNone/>
+            </a:pPr>
+            <a:r>
+              <a:rPr lang="en-GB" dirty="0"/>
+              <a:t>En 2021, la pratique du </a:t>
             </a:r>
             <a:r>
               <a:rPr lang="en-GB" dirty="0" err="1"/>
-              <a:t>noeud</a:t>
+              <a:t>vélo</a:t>
             </a:r>
             <a:r>
               <a:rPr lang="en-GB" dirty="0"/>
-              <a:t> le plus </a:t>
+              <a:t> sur Bordeaux </a:t>
             </a:r>
             <a:r>
               <a:rPr lang="en-GB" dirty="0" err="1"/>
-              <a:t>proche</a:t>
-            </a:r>
-            <a:endParaRPr lang="en-GB" dirty="0"/>
-          </a:p>
-        </p:txBody>
-      </p:sp>
-      <p:sp>
-        <p:nvSpPr>
-          <p:cNvPr id="3" name="Espace réservé du contenu 2">
-            <a:extLst>
-              <a:ext uri="{FF2B5EF4-FFF2-40B4-BE49-F238E27FC236}">
-                <a16:creationId xmlns:a16="http://schemas.microsoft.com/office/drawing/2014/main" id="{23AFC692-0812-2354-804C-A59DCE36ABF3}"/>
-              </a:ext>
-            </a:extLst>
-          </p:cNvPr>
-          <p:cNvSpPr>
-            <a:spLocks noGrp="1"/>
-          </p:cNvSpPr>
-          <p:nvPr>
-            <p:ph idx="1"/>
-          </p:nvPr>
-        </p:nvSpPr>
-        <p:spPr/>
-        <p:txBody>
-          <a:bodyPr/>
-          <a:lstStyle/>
-          <a:p>
+              <a:t>Métropole</a:t>
+            </a:r>
             <a:r>
               <a:rPr lang="en-GB" dirty="0"/>
-              <a:t>Transformer </a:t>
+              <a:t> a </a:t>
             </a:r>
             <a:r>
               <a:rPr lang="en-GB" dirty="0" err="1"/>
-              <a:t>une</a:t>
+              <a:t>augmenté</a:t>
+            </a:r>
+            <a:r>
+              <a:rPr lang="en-GB" dirty="0"/>
+              <a:t> de 25% </a:t>
+            </a:r>
+            <a:r>
+              <a:rPr lang="en-GB" dirty="0" err="1"/>
+              <a:t>compte</a:t>
             </a:r>
             <a:r>
               <a:rPr lang="en-GB" dirty="0"/>
@@ -5989,83 +6220,49 @@
             </a:r>
             <a:r>
               <a:rPr lang="en-GB" dirty="0" err="1"/>
-              <a:t>adresse</a:t>
+              <a:t>tenu</a:t>
             </a:r>
             <a:r>
               <a:rPr lang="en-GB" dirty="0"/>
-              <a:t> donnée </a:t>
-            </a:r>
-            <a:r>
-              <a:rPr lang="en-GB" dirty="0" err="1"/>
-              <a:t>en</a:t>
-            </a:r>
-            <a:r>
-              <a:rPr lang="en-GB" dirty="0"/>
-              <a:t> </a:t>
-            </a:r>
-            <a:r>
-              <a:rPr lang="en-GB" dirty="0" err="1"/>
-              <a:t>coordonnées</a:t>
-            </a:r>
-            <a:r>
-              <a:rPr lang="en-GB" dirty="0"/>
-              <a:t> GPS (</a:t>
-            </a:r>
-            <a:r>
-              <a:rPr lang="en-GB" dirty="0" err="1"/>
-              <a:t>lat,lon</a:t>
-            </a:r>
-            <a:r>
-              <a:rPr lang="en-GB" dirty="0"/>
-              <a:t>) via API sur api-adresse.data.gouv.fr</a:t>
-            </a:r>
-          </a:p>
-          <a:p>
-            <a:r>
-              <a:rPr lang="en-GB" dirty="0" err="1"/>
-              <a:t>Trouver</a:t>
-            </a:r>
-            <a:r>
-              <a:rPr lang="en-GB" dirty="0"/>
-              <a:t> le </a:t>
-            </a:r>
-            <a:r>
-              <a:rPr lang="en-GB" dirty="0" err="1"/>
-              <a:t>noeud</a:t>
-            </a:r>
-            <a:r>
-              <a:rPr lang="en-GB" dirty="0"/>
-              <a:t> le plus </a:t>
-            </a:r>
-            <a:r>
-              <a:rPr lang="en-GB" dirty="0" err="1"/>
-              <a:t>proche</a:t>
-            </a:r>
-            <a:r>
-              <a:rPr lang="en-GB" dirty="0"/>
-              <a:t> à </a:t>
-            </a:r>
-            <a:r>
-              <a:rPr lang="en-GB" dirty="0" err="1"/>
-              <a:t>ce</a:t>
-            </a:r>
-            <a:r>
-              <a:rPr lang="en-GB" dirty="0"/>
-              <a:t> point</a:t>
-            </a:r>
-          </a:p>
-          <a:p>
-            <a:pPr marL="0" indent="0">
-              <a:buNone/>
-            </a:pPr>
-            <a:endParaRPr lang="en-GB" dirty="0"/>
-          </a:p>
-        </p:txBody>
-      </p:sp>
+              <a:t> de la crise sanitaire.</a:t>
+            </a:r>
+          </a:p>
+        </p:txBody>
+      </p:sp>
+      <p:pic>
+        <p:nvPicPr>
+          <p:cNvPr id="7" name="Image 6">
+            <a:extLst>
+              <a:ext uri="{FF2B5EF4-FFF2-40B4-BE49-F238E27FC236}">
+                <a16:creationId xmlns:a16="http://schemas.microsoft.com/office/drawing/2014/main" id="{F323FE2F-EC5E-2956-826E-7DB4EDAB0C0F}"/>
+              </a:ext>
+            </a:extLst>
+          </p:cNvPr>
+          <p:cNvPicPr>
+            <a:picLocks noChangeAspect="1"/>
+          </p:cNvPicPr>
+          <p:nvPr/>
+        </p:nvPicPr>
+        <p:blipFill>
+          <a:blip r:embed="rId2"/>
+          <a:stretch>
+            <a:fillRect/>
+          </a:stretch>
+        </p:blipFill>
+        <p:spPr>
+          <a:xfrm>
+            <a:off x="686345" y="2176860"/>
+            <a:ext cx="5513287" cy="4296503"/>
+          </a:xfrm>
+          <a:prstGeom prst="rect">
+            <a:avLst/>
+          </a:prstGeom>
+        </p:spPr>
+      </p:pic>
     </p:spTree>
     <p:extLst>
       <p:ext uri="{BB962C8B-B14F-4D97-AF65-F5344CB8AC3E}">
-        <p14:creationId xmlns:p14="http://schemas.microsoft.com/office/powerpoint/2010/main" val="3612722982"/>
+        <p14:creationId xmlns:p14="http://schemas.microsoft.com/office/powerpoint/2010/main" val="4139496629"/>
       </p:ext>
     </p:extLst>
   </p:cSld>
@@ -6097,7 +6294,7 @@
           <p:cNvPr id="2" name="Titre 1">
             <a:extLst>
               <a:ext uri="{FF2B5EF4-FFF2-40B4-BE49-F238E27FC236}">
-                <a16:creationId xmlns:a16="http://schemas.microsoft.com/office/drawing/2014/main" id="{CADCAE2F-4E4C-E68D-529F-1C53F9EF1E9D}"/>
+                <a16:creationId xmlns:a16="http://schemas.microsoft.com/office/drawing/2014/main" id="{7D020162-779C-C345-4AAB-54F17AFB041A}"/>
               </a:ext>
             </a:extLst>
           </p:cNvPr>
@@ -6114,8 +6311,72 @@
           <a:lstStyle/>
           <a:p>
             <a:r>
+              <a:rPr lang="en-GB" dirty="0"/>
+              <a:t>Emergence de la </a:t>
+            </a:r>
+            <a:r>
               <a:rPr lang="en-GB" dirty="0" err="1"/>
-              <a:t>Calcul</a:t>
+              <a:t>mobilité</a:t>
+            </a:r>
+            <a:r>
+              <a:rPr lang="en-GB" dirty="0"/>
+              <a:t> durable</a:t>
+            </a:r>
+          </a:p>
+        </p:txBody>
+      </p:sp>
+      <p:sp>
+        <p:nvSpPr>
+          <p:cNvPr id="3" name="Espace réservé du contenu 2">
+            <a:extLst>
+              <a:ext uri="{FF2B5EF4-FFF2-40B4-BE49-F238E27FC236}">
+                <a16:creationId xmlns:a16="http://schemas.microsoft.com/office/drawing/2014/main" id="{C9179EDA-A3D9-77C3-B408-07741F4282E9}"/>
+              </a:ext>
+            </a:extLst>
+          </p:cNvPr>
+          <p:cNvSpPr>
+            <a:spLocks noGrp="1"/>
+          </p:cNvSpPr>
+          <p:nvPr>
+            <p:ph idx="1"/>
+          </p:nvPr>
+        </p:nvSpPr>
+        <p:spPr/>
+        <p:txBody>
+          <a:bodyPr/>
+          <a:lstStyle/>
+          <a:p>
+            <a:r>
+              <a:rPr lang="en-GB" dirty="0" err="1"/>
+              <a:t>Contexte</a:t>
+            </a:r>
+            <a:r>
+              <a:rPr lang="en-GB" dirty="0"/>
+              <a:t> </a:t>
+            </a:r>
+            <a:r>
+              <a:rPr lang="en-GB" dirty="0" err="1"/>
+              <a:t>Environnemental</a:t>
+            </a:r>
+            <a:r>
+              <a:rPr lang="en-GB" dirty="0"/>
+              <a:t> et </a:t>
+            </a:r>
+            <a:r>
+              <a:rPr lang="en-GB" dirty="0" err="1"/>
+              <a:t>Urbain</a:t>
+            </a:r>
+            <a:endParaRPr lang="en-GB" dirty="0"/>
+          </a:p>
+          <a:p>
+            <a:pPr lvl="1"/>
+            <a:r>
+              <a:rPr lang="en-GB" dirty="0"/>
+              <a:t>Prise de conscience </a:t>
+            </a:r>
+            <a:r>
+              <a:rPr lang="en-GB" dirty="0" err="1"/>
+              <a:t>croissante</a:t>
             </a:r>
             <a:r>
               <a:rPr lang="en-GB" dirty="0"/>
@@ -6123,101 +6384,114 @@
             </a:r>
             <a:r>
               <a:rPr lang="en-GB" dirty="0" err="1"/>
-              <a:t>itinéraires</a:t>
+              <a:t>enjeux</a:t>
+            </a:r>
+            <a:r>
+              <a:rPr lang="en-GB" dirty="0"/>
+              <a:t> </a:t>
+            </a:r>
+            <a:r>
+              <a:rPr lang="en-GB" dirty="0" err="1"/>
+              <a:t>environnementaux</a:t>
             </a:r>
             <a:endParaRPr lang="en-GB" dirty="0"/>
           </a:p>
-        </p:txBody>
-      </p:sp>
-      <p:sp>
-        <p:nvSpPr>
-          <p:cNvPr id="3" name="Espace réservé du contenu 2">
-            <a:extLst>
-              <a:ext uri="{FF2B5EF4-FFF2-40B4-BE49-F238E27FC236}">
-                <a16:creationId xmlns:a16="http://schemas.microsoft.com/office/drawing/2014/main" id="{E5FD6518-A9CF-13DE-F484-0D6D146E2CB5}"/>
-              </a:ext>
-            </a:extLst>
-          </p:cNvPr>
-          <p:cNvSpPr>
-            <a:spLocks noGrp="1"/>
-          </p:cNvSpPr>
-          <p:nvPr>
-            <p:ph idx="1"/>
-          </p:nvPr>
-        </p:nvSpPr>
-        <p:spPr/>
-        <p:txBody>
-          <a:bodyPr/>
-          <a:lstStyle/>
-          <a:p>
+          <a:p>
+            <a:pPr lvl="1"/>
+            <a:r>
+              <a:rPr lang="en-GB" dirty="0"/>
+              <a:t>Politiques </a:t>
+            </a:r>
             <a:r>
               <a:rPr lang="en-GB" dirty="0" err="1"/>
-              <a:t>Itinéraire</a:t>
+              <a:t>urbaines</a:t>
             </a:r>
             <a:r>
               <a:rPr lang="en-GB" dirty="0"/>
-              <a:t> le plus court via la longueur</a:t>
-            </a:r>
-          </a:p>
-          <a:p>
+              <a:t> </a:t>
+            </a:r>
             <a:r>
               <a:rPr lang="en-GB" dirty="0" err="1"/>
-              <a:t>Itinéraire</a:t>
+              <a:t>favorisant</a:t>
             </a:r>
             <a:r>
               <a:rPr lang="en-GB" dirty="0"/>
-              <a:t> le plus </a:t>
+              <a:t> la </a:t>
             </a:r>
             <a:r>
               <a:rPr lang="en-GB" dirty="0" err="1"/>
-              <a:t>sécurisé</a:t>
+              <a:t>mobilité</a:t>
             </a:r>
             <a:r>
               <a:rPr lang="en-GB" dirty="0"/>
-              <a:t> via le score de </a:t>
+              <a:t> </a:t>
             </a:r>
             <a:r>
               <a:rPr lang="en-GB" dirty="0" err="1"/>
-              <a:t>sécurité</a:t>
+              <a:t>douce</a:t>
+            </a:r>
+            <a:r>
+              <a:rPr lang="en-GB" dirty="0"/>
+              <a:t> et durable</a:t>
+            </a:r>
+          </a:p>
+          <a:p>
+            <a:r>
+              <a:rPr lang="en-GB" dirty="0" err="1"/>
+              <a:t>Contexte</a:t>
+            </a:r>
+            <a:r>
+              <a:rPr lang="en-GB" dirty="0"/>
+              <a:t> </a:t>
+            </a:r>
+            <a:r>
+              <a:rPr lang="en-GB" dirty="0" err="1"/>
+              <a:t>Economique</a:t>
             </a:r>
             <a:endParaRPr lang="en-GB" dirty="0"/>
           </a:p>
           <a:p>
+            <a:pPr lvl="1"/>
             <a:r>
               <a:rPr lang="en-GB" dirty="0"/>
-              <a:t>Meilleur </a:t>
+              <a:t>Prix de </a:t>
             </a:r>
             <a:r>
               <a:rPr lang="en-GB" dirty="0" err="1"/>
-              <a:t>itinéraire</a:t>
+              <a:t>l’essence</a:t>
+            </a:r>
+            <a:endParaRPr lang="en-GB" dirty="0"/>
+          </a:p>
+          <a:p>
+            <a:pPr lvl="1"/>
+            <a:r>
+              <a:rPr lang="en-GB" dirty="0" err="1"/>
+              <a:t>Coût</a:t>
             </a:r>
             <a:r>
               <a:rPr lang="en-GB" dirty="0"/>
-              <a:t> via la longueur </a:t>
+              <a:t> </a:t>
             </a:r>
             <a:r>
               <a:rPr lang="en-GB" dirty="0" err="1"/>
-              <a:t>divisé</a:t>
+              <a:t>d’entretien</a:t>
             </a:r>
             <a:r>
               <a:rPr lang="en-GB" dirty="0"/>
-              <a:t> par le score de </a:t>
+              <a:t> des </a:t>
             </a:r>
             <a:r>
               <a:rPr lang="en-GB" dirty="0" err="1"/>
-              <a:t>sécurité</a:t>
-            </a:r>
-            <a:r>
-              <a:rPr lang="en-GB" dirty="0"/>
-              <a:t>  </a:t>
-            </a:r>
+              <a:t>véhicules</a:t>
+            </a:r>
+            <a:endParaRPr lang="en-GB" dirty="0"/>
           </a:p>
         </p:txBody>
       </p:sp>
     </p:spTree>
     <p:extLst>
       <p:ext uri="{BB962C8B-B14F-4D97-AF65-F5344CB8AC3E}">
-        <p14:creationId xmlns:p14="http://schemas.microsoft.com/office/powerpoint/2010/main" val="1771399765"/>
+        <p14:creationId xmlns:p14="http://schemas.microsoft.com/office/powerpoint/2010/main" val="2113992356"/>
       </p:ext>
     </p:extLst>
   </p:cSld>
@@ -6249,7 +6523,7 @@
           <p:cNvPr id="2" name="Titre 1">
             <a:extLst>
               <a:ext uri="{FF2B5EF4-FFF2-40B4-BE49-F238E27FC236}">
-                <a16:creationId xmlns:a16="http://schemas.microsoft.com/office/drawing/2014/main" id="{BB6CAC40-1DAD-7AF1-01E0-59C1789435C9}"/>
+                <a16:creationId xmlns:a16="http://schemas.microsoft.com/office/drawing/2014/main" id="{DD0C7DFB-875F-25A1-D163-46710222C7FC}"/>
               </a:ext>
             </a:extLst>
           </p:cNvPr>
@@ -6267,8 +6541,13 @@
           <a:p>
             <a:r>
               <a:rPr lang="en-GB" dirty="0"/>
-              <a:t>Application</a:t>
-            </a:r>
+              <a:t>Données à </a:t>
+            </a:r>
+            <a:r>
+              <a:rPr lang="en-GB" dirty="0" err="1"/>
+              <a:t>valoriser</a:t>
+            </a:r>
+            <a:endParaRPr lang="en-GB" dirty="0"/>
           </a:p>
         </p:txBody>
       </p:sp>
@@ -6277,7 +6556,7 @@
           <p:cNvPr id="3" name="Espace réservé du contenu 2">
             <a:extLst>
               <a:ext uri="{FF2B5EF4-FFF2-40B4-BE49-F238E27FC236}">
-                <a16:creationId xmlns:a16="http://schemas.microsoft.com/office/drawing/2014/main" id="{FBD9DCAD-47B2-0EFE-9F0E-36ECAB6C99D0}"/>
+                <a16:creationId xmlns:a16="http://schemas.microsoft.com/office/drawing/2014/main" id="{A367F4D3-85A2-9936-5F31-058D436F9FC4}"/>
               </a:ext>
             </a:extLst>
           </p:cNvPr>
@@ -6294,32 +6573,71 @@
           <a:lstStyle/>
           <a:p>
             <a:r>
+              <a:rPr lang="en-GB" dirty="0"/>
+              <a:t>Bordeaux </a:t>
+            </a:r>
+            <a:r>
               <a:rPr lang="en-GB" dirty="0" err="1"/>
-              <a:t>Transférer</a:t>
+              <a:t>Métropole</a:t>
             </a:r>
             <a:r>
               <a:rPr lang="en-GB" dirty="0"/>
-              <a:t> le </a:t>
+              <a:t> dispose de </a:t>
             </a:r>
             <a:r>
               <a:rPr lang="en-GB" dirty="0" err="1"/>
-              <a:t>projet</a:t>
+              <a:t>différents</a:t>
             </a:r>
             <a:r>
               <a:rPr lang="en-GB" dirty="0"/>
-              <a:t> sur </a:t>
+              <a:t> sites de </a:t>
             </a:r>
             <a:r>
               <a:rPr lang="en-GB" dirty="0" err="1"/>
-              <a:t>une</a:t>
+              <a:t>comptage</a:t>
             </a:r>
             <a:r>
               <a:rPr lang="en-GB" dirty="0"/>
-              <a:t> application </a:t>
+              <a:t> des flux </a:t>
             </a:r>
             <a:r>
               <a:rPr lang="en-GB" dirty="0" err="1"/>
-              <a:t>django</a:t>
+              <a:t>cyclistes</a:t>
+            </a:r>
+            <a:r>
+              <a:rPr lang="en-GB" dirty="0"/>
+              <a:t> et </a:t>
+            </a:r>
+            <a:r>
+              <a:rPr lang="en-GB" dirty="0" err="1"/>
+              <a:t>routiers</a:t>
+            </a:r>
+            <a:endParaRPr lang="en-GB" dirty="0"/>
+          </a:p>
+          <a:p>
+            <a:r>
+              <a:rPr lang="en-GB" dirty="0"/>
+              <a:t>Données </a:t>
+            </a:r>
+            <a:r>
+              <a:rPr lang="en-GB" dirty="0" err="1"/>
+              <a:t>détaillées</a:t>
+            </a:r>
+            <a:r>
+              <a:rPr lang="en-GB" dirty="0"/>
+              <a:t> des routes et </a:t>
+            </a:r>
+            <a:r>
+              <a:rPr lang="en-GB" dirty="0" err="1"/>
+              <a:t>pistes</a:t>
+            </a:r>
+            <a:r>
+              <a:rPr lang="en-GB" dirty="0"/>
+              <a:t> </a:t>
+            </a:r>
+            <a:r>
+              <a:rPr lang="en-GB" dirty="0" err="1"/>
+              <a:t>cyclables</a:t>
             </a:r>
             <a:endParaRPr lang="en-GB" dirty="0"/>
           </a:p>
@@ -6328,7 +6646,512 @@
     </p:spTree>
     <p:extLst>
       <p:ext uri="{BB962C8B-B14F-4D97-AF65-F5344CB8AC3E}">
-        <p14:creationId xmlns:p14="http://schemas.microsoft.com/office/powerpoint/2010/main" val="2423809855"/>
+        <p14:creationId xmlns:p14="http://schemas.microsoft.com/office/powerpoint/2010/main" val="306891394"/>
+      </p:ext>
+    </p:extLst>
+  </p:cSld>
+  <p:clrMapOvr>
+    <a:masterClrMapping/>
+  </p:clrMapOvr>
+</p:sld>
+</file>
+
+<file path=ppt/slides/slide6.xml><?xml version="1.0" encoding="utf-8"?>
+<p:sld xmlns:a="http://schemas.openxmlformats.org/drawingml/2006/main" xmlns:r="http://schemas.openxmlformats.org/officeDocument/2006/relationships" xmlns:p="http://schemas.openxmlformats.org/presentationml/2006/main">
+  <p:cSld>
+    <p:spTree>
+      <p:nvGrpSpPr>
+        <p:cNvPr id="1" name=""/>
+        <p:cNvGrpSpPr/>
+        <p:nvPr/>
+      </p:nvGrpSpPr>
+      <p:grpSpPr>
+        <a:xfrm>
+          <a:off x="0" y="0"/>
+          <a:ext cx="0" cy="0"/>
+          <a:chOff x="0" y="0"/>
+          <a:chExt cx="0" cy="0"/>
+        </a:xfrm>
+      </p:grpSpPr>
+      <p:sp>
+        <p:nvSpPr>
+          <p:cNvPr id="2" name="Titre 1">
+            <a:extLst>
+              <a:ext uri="{FF2B5EF4-FFF2-40B4-BE49-F238E27FC236}">
+                <a16:creationId xmlns:a16="http://schemas.microsoft.com/office/drawing/2014/main" id="{43B96B69-5F36-012D-3058-5A8D777ADB0D}"/>
+              </a:ext>
+            </a:extLst>
+          </p:cNvPr>
+          <p:cNvSpPr>
+            <a:spLocks noGrp="1"/>
+          </p:cNvSpPr>
+          <p:nvPr>
+            <p:ph type="title"/>
+          </p:nvPr>
+        </p:nvSpPr>
+        <p:spPr/>
+        <p:txBody>
+          <a:bodyPr/>
+          <a:lstStyle/>
+          <a:p>
+            <a:r>
+              <a:rPr lang="en-GB" dirty="0"/>
+              <a:t>Application Cyclist Routing</a:t>
+            </a:r>
+          </a:p>
+        </p:txBody>
+      </p:sp>
+      <p:pic>
+        <p:nvPicPr>
+          <p:cNvPr id="5" name="Espace réservé du contenu 4" descr="Une image contenant carte, texte, capture d’écran, atlas&#10;&#10;Description générée automatiquement">
+            <a:extLst>
+              <a:ext uri="{FF2B5EF4-FFF2-40B4-BE49-F238E27FC236}">
+                <a16:creationId xmlns:a16="http://schemas.microsoft.com/office/drawing/2014/main" id="{ED44CEFC-3F09-3DB0-8A47-1B685E7F027B}"/>
+              </a:ext>
+            </a:extLst>
+          </p:cNvPr>
+          <p:cNvPicPr>
+            <a:picLocks noGrp="1" noChangeAspect="1"/>
+          </p:cNvPicPr>
+          <p:nvPr>
+            <p:ph sz="half" idx="1"/>
+          </p:nvPr>
+        </p:nvPicPr>
+        <p:blipFill>
+          <a:blip r:embed="rId2">
+            <a:extLst>
+              <a:ext uri="{28A0092B-C50C-407E-A947-70E740481C1C}">
+                <a14:useLocalDpi xmlns:a14="http://schemas.microsoft.com/office/drawing/2010/main" val="0"/>
+              </a:ext>
+            </a:extLst>
+          </a:blip>
+          <a:stretch>
+            <a:fillRect/>
+          </a:stretch>
+        </p:blipFill>
+        <p:spPr>
+          <a:xfrm>
+            <a:off x="252487" y="2649474"/>
+            <a:ext cx="6766051" cy="3351276"/>
+          </a:xfrm>
+        </p:spPr>
+      </p:pic>
+      <p:sp>
+        <p:nvSpPr>
+          <p:cNvPr id="6" name="Espace réservé du contenu 5">
+            <a:extLst>
+              <a:ext uri="{FF2B5EF4-FFF2-40B4-BE49-F238E27FC236}">
+                <a16:creationId xmlns:a16="http://schemas.microsoft.com/office/drawing/2014/main" id="{6EFA092E-F70E-E10D-0DC9-F9D1BAFE754A}"/>
+              </a:ext>
+            </a:extLst>
+          </p:cNvPr>
+          <p:cNvSpPr>
+            <a:spLocks noGrp="1"/>
+          </p:cNvSpPr>
+          <p:nvPr>
+            <p:ph sz="half" idx="2"/>
+          </p:nvPr>
+        </p:nvSpPr>
+        <p:spPr>
+          <a:xfrm>
+            <a:off x="7223760" y="2478024"/>
+            <a:ext cx="4059936" cy="3694176"/>
+          </a:xfrm>
+        </p:spPr>
+        <p:txBody>
+          <a:bodyPr/>
+          <a:lstStyle/>
+          <a:p>
+            <a:r>
+              <a:rPr lang="en-GB" dirty="0" err="1"/>
+              <a:t>Itinéraire</a:t>
+            </a:r>
+            <a:r>
+              <a:rPr lang="en-GB" dirty="0"/>
+              <a:t> par </a:t>
+            </a:r>
+            <a:r>
+              <a:rPr lang="en-GB" dirty="0" err="1"/>
+              <a:t>adresse</a:t>
+            </a:r>
+            <a:endParaRPr lang="en-GB" dirty="0"/>
+          </a:p>
+          <a:p>
+            <a:r>
+              <a:rPr lang="en-GB" dirty="0" err="1"/>
+              <a:t>Itinéraire</a:t>
+            </a:r>
+            <a:r>
+              <a:rPr lang="en-GB" dirty="0"/>
+              <a:t> par point</a:t>
+            </a:r>
+          </a:p>
+          <a:p>
+            <a:r>
+              <a:rPr lang="en-GB" dirty="0" err="1"/>
+              <a:t>Affichage</a:t>
+            </a:r>
+            <a:r>
+              <a:rPr lang="en-GB" dirty="0"/>
+              <a:t> </a:t>
+            </a:r>
+            <a:r>
+              <a:rPr lang="en-GB" dirty="0" err="1"/>
+              <a:t>d’adresse</a:t>
+            </a:r>
+            <a:endParaRPr lang="en-GB" dirty="0"/>
+          </a:p>
+        </p:txBody>
+      </p:sp>
+    </p:spTree>
+    <p:extLst>
+      <p:ext uri="{BB962C8B-B14F-4D97-AF65-F5344CB8AC3E}">
+        <p14:creationId xmlns:p14="http://schemas.microsoft.com/office/powerpoint/2010/main" val="2917528447"/>
+      </p:ext>
+    </p:extLst>
+  </p:cSld>
+  <p:clrMapOvr>
+    <a:masterClrMapping/>
+  </p:clrMapOvr>
+</p:sld>
+</file>
+
+<file path=ppt/slides/slide7.xml><?xml version="1.0" encoding="utf-8"?>
+<p:sld xmlns:a="http://schemas.openxmlformats.org/drawingml/2006/main" xmlns:r="http://schemas.openxmlformats.org/officeDocument/2006/relationships" xmlns:p="http://schemas.openxmlformats.org/presentationml/2006/main">
+  <p:cSld>
+    <p:spTree>
+      <p:nvGrpSpPr>
+        <p:cNvPr id="1" name=""/>
+        <p:cNvGrpSpPr/>
+        <p:nvPr/>
+      </p:nvGrpSpPr>
+      <p:grpSpPr>
+        <a:xfrm>
+          <a:off x="0" y="0"/>
+          <a:ext cx="0" cy="0"/>
+          <a:chOff x="0" y="0"/>
+          <a:chExt cx="0" cy="0"/>
+        </a:xfrm>
+      </p:grpSpPr>
+      <p:sp>
+        <p:nvSpPr>
+          <p:cNvPr id="2" name="Titre 1">
+            <a:extLst>
+              <a:ext uri="{FF2B5EF4-FFF2-40B4-BE49-F238E27FC236}">
+                <a16:creationId xmlns:a16="http://schemas.microsoft.com/office/drawing/2014/main" id="{0DB59ACD-B783-7C2D-645A-271D44F0D8D6}"/>
+              </a:ext>
+            </a:extLst>
+          </p:cNvPr>
+          <p:cNvSpPr>
+            <a:spLocks noGrp="1"/>
+          </p:cNvSpPr>
+          <p:nvPr>
+            <p:ph type="title"/>
+          </p:nvPr>
+        </p:nvSpPr>
+        <p:spPr/>
+        <p:txBody>
+          <a:bodyPr/>
+          <a:lstStyle/>
+          <a:p>
+            <a:r>
+              <a:rPr lang="en-GB" dirty="0"/>
+              <a:t>Description</a:t>
+            </a:r>
+          </a:p>
+        </p:txBody>
+      </p:sp>
+      <p:sp>
+        <p:nvSpPr>
+          <p:cNvPr id="5" name="Espace réservé du contenu 4">
+            <a:extLst>
+              <a:ext uri="{FF2B5EF4-FFF2-40B4-BE49-F238E27FC236}">
+                <a16:creationId xmlns:a16="http://schemas.microsoft.com/office/drawing/2014/main" id="{4C633114-E36C-3D21-FEF9-524803A2C567}"/>
+              </a:ext>
+            </a:extLst>
+          </p:cNvPr>
+          <p:cNvSpPr>
+            <a:spLocks noGrp="1"/>
+          </p:cNvSpPr>
+          <p:nvPr>
+            <p:ph idx="1"/>
+          </p:nvPr>
+        </p:nvSpPr>
+        <p:spPr/>
+        <p:txBody>
+          <a:bodyPr>
+            <a:normAutofit fontScale="92500" lnSpcReduction="20000"/>
+          </a:bodyPr>
+          <a:lstStyle/>
+          <a:p>
+            <a:pPr marL="0" indent="0">
+              <a:buNone/>
+            </a:pPr>
+            <a:r>
+              <a:rPr lang="fr-FR" dirty="0" err="1"/>
+              <a:t>Cyclist</a:t>
+            </a:r>
+            <a:r>
+              <a:rPr lang="fr-FR" dirty="0"/>
+              <a:t> </a:t>
+            </a:r>
+            <a:r>
+              <a:rPr lang="fr-FR" dirty="0" err="1"/>
+              <a:t>Routing</a:t>
+            </a:r>
+            <a:r>
+              <a:rPr lang="fr-FR" dirty="0"/>
+              <a:t> est une application web conçue pour fournir aux cyclistes de Bordeaux un système efficace de calcul d'itinéraires. </a:t>
+            </a:r>
+          </a:p>
+          <a:p>
+            <a:pPr marL="0" indent="0">
+              <a:buNone/>
+            </a:pPr>
+            <a:r>
+              <a:rPr lang="fr-FR" dirty="0"/>
+              <a:t>Offrir des itinéraires sûrs et pratiques, en tenant compte de facteurs tels que le risque routier et la distance.</a:t>
+            </a:r>
+          </a:p>
+          <a:p>
+            <a:pPr marL="0" indent="0">
+              <a:buNone/>
+            </a:pPr>
+            <a:r>
+              <a:rPr lang="fr-FR" dirty="0"/>
+              <a:t>Trois itinéraires :</a:t>
+            </a:r>
+          </a:p>
+          <a:p>
+            <a:pPr>
+              <a:buFontTx/>
+              <a:buChar char="-"/>
+            </a:pPr>
+            <a:r>
+              <a:rPr lang="fr-FR" dirty="0"/>
+              <a:t>Le plus court</a:t>
+            </a:r>
+          </a:p>
+          <a:p>
+            <a:pPr>
+              <a:buFontTx/>
+              <a:buChar char="-"/>
+            </a:pPr>
+            <a:r>
+              <a:rPr lang="fr-FR" dirty="0"/>
+              <a:t>Le plus sûr</a:t>
+            </a:r>
+          </a:p>
+          <a:p>
+            <a:pPr>
+              <a:buFontTx/>
+              <a:buChar char="-"/>
+            </a:pPr>
+            <a:r>
+              <a:rPr lang="en-GB" dirty="0"/>
+              <a:t>Un </a:t>
+            </a:r>
+            <a:r>
+              <a:rPr lang="en-GB" dirty="0" err="1"/>
+              <a:t>compromis</a:t>
+            </a:r>
+            <a:r>
+              <a:rPr lang="en-GB" dirty="0"/>
+              <a:t> des deux </a:t>
+            </a:r>
+            <a:r>
+              <a:rPr lang="en-GB" dirty="0" err="1"/>
+              <a:t>facteurs</a:t>
+            </a:r>
+            <a:endParaRPr lang="en-GB" dirty="0"/>
+          </a:p>
+        </p:txBody>
+      </p:sp>
+    </p:spTree>
+    <p:extLst>
+      <p:ext uri="{BB962C8B-B14F-4D97-AF65-F5344CB8AC3E}">
+        <p14:creationId xmlns:p14="http://schemas.microsoft.com/office/powerpoint/2010/main" val="185719045"/>
+      </p:ext>
+    </p:extLst>
+  </p:cSld>
+  <p:clrMapOvr>
+    <a:masterClrMapping/>
+  </p:clrMapOvr>
+</p:sld>
+</file>
+
+<file path=ppt/slides/slide8.xml><?xml version="1.0" encoding="utf-8"?>
+<p:sld xmlns:a="http://schemas.openxmlformats.org/drawingml/2006/main" xmlns:r="http://schemas.openxmlformats.org/officeDocument/2006/relationships" xmlns:p="http://schemas.openxmlformats.org/presentationml/2006/main">
+  <p:cSld>
+    <p:spTree>
+      <p:nvGrpSpPr>
+        <p:cNvPr id="1" name=""/>
+        <p:cNvGrpSpPr/>
+        <p:nvPr/>
+      </p:nvGrpSpPr>
+      <p:grpSpPr>
+        <a:xfrm>
+          <a:off x="0" y="0"/>
+          <a:ext cx="0" cy="0"/>
+          <a:chOff x="0" y="0"/>
+          <a:chExt cx="0" cy="0"/>
+        </a:xfrm>
+      </p:grpSpPr>
+      <p:sp>
+        <p:nvSpPr>
+          <p:cNvPr id="2" name="Titre 1">
+            <a:extLst>
+              <a:ext uri="{FF2B5EF4-FFF2-40B4-BE49-F238E27FC236}">
+                <a16:creationId xmlns:a16="http://schemas.microsoft.com/office/drawing/2014/main" id="{84476854-DDA3-36E0-A3B7-6E9FBA7E635C}"/>
+              </a:ext>
+            </a:extLst>
+          </p:cNvPr>
+          <p:cNvSpPr>
+            <a:spLocks noGrp="1"/>
+          </p:cNvSpPr>
+          <p:nvPr>
+            <p:ph type="title"/>
+          </p:nvPr>
+        </p:nvSpPr>
+        <p:spPr/>
+        <p:txBody>
+          <a:bodyPr/>
+          <a:lstStyle/>
+          <a:p>
+            <a:r>
+              <a:rPr lang="en-GB" dirty="0"/>
+              <a:t>Points techniques</a:t>
+            </a:r>
+          </a:p>
+        </p:txBody>
+      </p:sp>
+      <p:sp>
+        <p:nvSpPr>
+          <p:cNvPr id="3" name="Espace réservé du contenu 2">
+            <a:extLst>
+              <a:ext uri="{FF2B5EF4-FFF2-40B4-BE49-F238E27FC236}">
+                <a16:creationId xmlns:a16="http://schemas.microsoft.com/office/drawing/2014/main" id="{395F13F8-611A-6E18-4123-6AA6971068F4}"/>
+              </a:ext>
+            </a:extLst>
+          </p:cNvPr>
+          <p:cNvSpPr>
+            <a:spLocks noGrp="1"/>
+          </p:cNvSpPr>
+          <p:nvPr>
+            <p:ph idx="1"/>
+          </p:nvPr>
+        </p:nvSpPr>
+        <p:spPr/>
+        <p:txBody>
+          <a:bodyPr/>
+          <a:lstStyle/>
+          <a:p>
+            <a:r>
+              <a:rPr lang="en-GB" dirty="0" err="1"/>
+              <a:t>Algorithme</a:t>
+            </a:r>
+            <a:r>
+              <a:rPr lang="en-GB" dirty="0"/>
+              <a:t> de Dijkstra pour </a:t>
+            </a:r>
+            <a:r>
+              <a:rPr lang="en-GB" dirty="0" err="1"/>
+              <a:t>trouver</a:t>
+            </a:r>
+            <a:r>
+              <a:rPr lang="en-GB" dirty="0"/>
+              <a:t> les chemins</a:t>
+            </a:r>
+          </a:p>
+          <a:p>
+            <a:r>
+              <a:rPr lang="en-GB" dirty="0"/>
+              <a:t>Folium pour la carte interactive</a:t>
+            </a:r>
+          </a:p>
+          <a:p>
+            <a:r>
+              <a:rPr lang="en-GB" dirty="0" err="1"/>
+              <a:t>Fastapi</a:t>
+            </a:r>
+            <a:r>
+              <a:rPr lang="en-GB" dirty="0"/>
+              <a:t> pour la web application</a:t>
+            </a:r>
+          </a:p>
+          <a:p>
+            <a:pPr marL="0" indent="0">
+              <a:buNone/>
+            </a:pPr>
+            <a:endParaRPr lang="en-GB" dirty="0"/>
+          </a:p>
+        </p:txBody>
+      </p:sp>
+    </p:spTree>
+    <p:extLst>
+      <p:ext uri="{BB962C8B-B14F-4D97-AF65-F5344CB8AC3E}">
+        <p14:creationId xmlns:p14="http://schemas.microsoft.com/office/powerpoint/2010/main" val="1399789283"/>
+      </p:ext>
+    </p:extLst>
+  </p:cSld>
+  <p:clrMapOvr>
+    <a:masterClrMapping/>
+  </p:clrMapOvr>
+</p:sld>
+</file>
+
+<file path=ppt/slides/slide9.xml><?xml version="1.0" encoding="utf-8"?>
+<p:sld xmlns:a="http://schemas.openxmlformats.org/drawingml/2006/main" xmlns:r="http://schemas.openxmlformats.org/officeDocument/2006/relationships" xmlns:p="http://schemas.openxmlformats.org/presentationml/2006/main">
+  <p:cSld>
+    <p:spTree>
+      <p:nvGrpSpPr>
+        <p:cNvPr id="1" name=""/>
+        <p:cNvGrpSpPr/>
+        <p:nvPr/>
+      </p:nvGrpSpPr>
+      <p:grpSpPr>
+        <a:xfrm>
+          <a:off x="0" y="0"/>
+          <a:ext cx="0" cy="0"/>
+          <a:chOff x="0" y="0"/>
+          <a:chExt cx="0" cy="0"/>
+        </a:xfrm>
+      </p:grpSpPr>
+      <p:sp>
+        <p:nvSpPr>
+          <p:cNvPr id="4" name="Titre 3">
+            <a:extLst>
+              <a:ext uri="{FF2B5EF4-FFF2-40B4-BE49-F238E27FC236}">
+                <a16:creationId xmlns:a16="http://schemas.microsoft.com/office/drawing/2014/main" id="{F66C73C5-CC99-9351-2F97-D02248253A68}"/>
+              </a:ext>
+            </a:extLst>
+          </p:cNvPr>
+          <p:cNvSpPr>
+            <a:spLocks noGrp="1"/>
+          </p:cNvSpPr>
+          <p:nvPr>
+            <p:ph type="title"/>
+          </p:nvPr>
+        </p:nvSpPr>
+        <p:spPr/>
+        <p:txBody>
+          <a:bodyPr/>
+          <a:lstStyle/>
+          <a:p>
+            <a:r>
+              <a:rPr lang="en-GB" dirty="0" err="1">
+                <a:hlinkClick r:id="rId2"/>
+              </a:rPr>
+              <a:t>Démonstration</a:t>
+            </a:r>
+            <a:endParaRPr lang="en-GB" dirty="0"/>
+          </a:p>
+        </p:txBody>
+      </p:sp>
+    </p:spTree>
+    <p:extLst>
+      <p:ext uri="{BB962C8B-B14F-4D97-AF65-F5344CB8AC3E}">
+        <p14:creationId xmlns:p14="http://schemas.microsoft.com/office/powerpoint/2010/main" val="2253241772"/>
       </p:ext>
     </p:extLst>
   </p:cSld>
